--- a/ModelBasedAnalysis/Image/Fig.pptx
+++ b/ModelBasedAnalysis/Image/Fig.pptx
@@ -13,6 +13,7 @@
     <p:sldId id="261" r:id="rId7"/>
     <p:sldId id="262" r:id="rId8"/>
     <p:sldId id="263" r:id="rId9"/>
+    <p:sldId id="264" r:id="rId10"/>
   </p:sldIdLst>
   <p:sldSz cx="12192000" cy="6858000"/>
   <p:notesSz cx="6858000" cy="9144000"/>
@@ -161,10 +162,9 @@
           </a:lstStyle>
           <a:p>
             <a:r>
-              <a:rPr lang="zh-CN" altLang="en-US" smtClean="0"/>
+              <a:rPr lang="zh-CN" altLang="en-US"/>
               <a:t>单击此处编辑母版标题样式</a:t>
             </a:r>
-            <a:endParaRPr lang="zh-CN" altLang="en-US"/>
           </a:p>
         </p:txBody>
       </p:sp>
@@ -226,10 +226,9 @@
           </a:lstStyle>
           <a:p>
             <a:r>
-              <a:rPr lang="zh-CN" altLang="en-US" smtClean="0"/>
+              <a:rPr lang="zh-CN" altLang="en-US"/>
               <a:t>单击此处编辑母版副标题样式</a:t>
             </a:r>
-            <a:endParaRPr lang="zh-CN" altLang="en-US"/>
           </a:p>
         </p:txBody>
       </p:sp>
@@ -250,7 +249,7 @@
           <a:p>
             <a:fld id="{78DBD7FB-2DB8-4F9C-AE68-F00275D9D329}" type="datetimeFigureOut">
               <a:rPr lang="zh-CN" altLang="en-US" smtClean="0"/>
-              <a:t>2018/12/8</a:t>
+              <a:t>2019/1/8</a:t>
             </a:fld>
             <a:endParaRPr lang="zh-CN" altLang="en-US"/>
           </a:p>
@@ -344,10 +343,9 @@
           <a:lstStyle/>
           <a:p>
             <a:r>
-              <a:rPr lang="zh-CN" altLang="en-US" smtClean="0"/>
+              <a:rPr lang="zh-CN" altLang="en-US"/>
               <a:t>单击此处编辑母版标题样式</a:t>
             </a:r>
-            <a:endParaRPr lang="zh-CN" altLang="en-US"/>
           </a:p>
         </p:txBody>
       </p:sp>
@@ -368,38 +366,37 @@
           <a:p>
             <a:pPr lvl="0"/>
             <a:r>
-              <a:rPr lang="zh-CN" altLang="en-US" smtClean="0"/>
+              <a:rPr lang="zh-CN" altLang="en-US"/>
               <a:t>单击此处编辑母版文本样式</a:t>
             </a:r>
           </a:p>
           <a:p>
             <a:pPr lvl="1"/>
             <a:r>
-              <a:rPr lang="zh-CN" altLang="en-US" smtClean="0"/>
+              <a:rPr lang="zh-CN" altLang="en-US"/>
               <a:t>第二级</a:t>
             </a:r>
           </a:p>
           <a:p>
             <a:pPr lvl="2"/>
             <a:r>
-              <a:rPr lang="zh-CN" altLang="en-US" smtClean="0"/>
+              <a:rPr lang="zh-CN" altLang="en-US"/>
               <a:t>第三级</a:t>
             </a:r>
           </a:p>
           <a:p>
             <a:pPr lvl="3"/>
             <a:r>
-              <a:rPr lang="zh-CN" altLang="en-US" smtClean="0"/>
+              <a:rPr lang="zh-CN" altLang="en-US"/>
               <a:t>第四级</a:t>
             </a:r>
           </a:p>
           <a:p>
             <a:pPr lvl="4"/>
             <a:r>
-              <a:rPr lang="zh-CN" altLang="en-US" smtClean="0"/>
+              <a:rPr lang="zh-CN" altLang="en-US"/>
               <a:t>第五级</a:t>
             </a:r>
-            <a:endParaRPr lang="zh-CN" altLang="en-US"/>
           </a:p>
         </p:txBody>
       </p:sp>
@@ -420,7 +417,7 @@
           <a:p>
             <a:fld id="{78DBD7FB-2DB8-4F9C-AE68-F00275D9D329}" type="datetimeFigureOut">
               <a:rPr lang="zh-CN" altLang="en-US" smtClean="0"/>
-              <a:t>2018/12/8</a:t>
+              <a:t>2019/1/8</a:t>
             </a:fld>
             <a:endParaRPr lang="zh-CN" altLang="en-US"/>
           </a:p>
@@ -519,10 +516,9 @@
           <a:lstStyle/>
           <a:p>
             <a:r>
-              <a:rPr lang="zh-CN" altLang="en-US" smtClean="0"/>
+              <a:rPr lang="zh-CN" altLang="en-US"/>
               <a:t>单击此处编辑母版标题样式</a:t>
             </a:r>
-            <a:endParaRPr lang="zh-CN" altLang="en-US"/>
           </a:p>
         </p:txBody>
       </p:sp>
@@ -548,38 +544,37 @@
           <a:p>
             <a:pPr lvl="0"/>
             <a:r>
-              <a:rPr lang="zh-CN" altLang="en-US" smtClean="0"/>
+              <a:rPr lang="zh-CN" altLang="en-US"/>
               <a:t>单击此处编辑母版文本样式</a:t>
             </a:r>
           </a:p>
           <a:p>
             <a:pPr lvl="1"/>
             <a:r>
-              <a:rPr lang="zh-CN" altLang="en-US" smtClean="0"/>
+              <a:rPr lang="zh-CN" altLang="en-US"/>
               <a:t>第二级</a:t>
             </a:r>
           </a:p>
           <a:p>
             <a:pPr lvl="2"/>
             <a:r>
-              <a:rPr lang="zh-CN" altLang="en-US" smtClean="0"/>
+              <a:rPr lang="zh-CN" altLang="en-US"/>
               <a:t>第三级</a:t>
             </a:r>
           </a:p>
           <a:p>
             <a:pPr lvl="3"/>
             <a:r>
-              <a:rPr lang="zh-CN" altLang="en-US" smtClean="0"/>
+              <a:rPr lang="zh-CN" altLang="en-US"/>
               <a:t>第四级</a:t>
             </a:r>
           </a:p>
           <a:p>
             <a:pPr lvl="4"/>
             <a:r>
-              <a:rPr lang="zh-CN" altLang="en-US" smtClean="0"/>
+              <a:rPr lang="zh-CN" altLang="en-US"/>
               <a:t>第五级</a:t>
             </a:r>
-            <a:endParaRPr lang="zh-CN" altLang="en-US"/>
           </a:p>
         </p:txBody>
       </p:sp>
@@ -600,7 +595,7 @@
           <a:p>
             <a:fld id="{78DBD7FB-2DB8-4F9C-AE68-F00275D9D329}" type="datetimeFigureOut">
               <a:rPr lang="zh-CN" altLang="en-US" smtClean="0"/>
-              <a:t>2018/12/8</a:t>
+              <a:t>2019/1/8</a:t>
             </a:fld>
             <a:endParaRPr lang="zh-CN" altLang="en-US"/>
           </a:p>
@@ -694,10 +689,9 @@
           <a:lstStyle/>
           <a:p>
             <a:r>
-              <a:rPr lang="zh-CN" altLang="en-US" smtClean="0"/>
+              <a:rPr lang="zh-CN" altLang="en-US"/>
               <a:t>单击此处编辑母版标题样式</a:t>
             </a:r>
-            <a:endParaRPr lang="zh-CN" altLang="en-US"/>
           </a:p>
         </p:txBody>
       </p:sp>
@@ -718,38 +712,37 @@
           <a:p>
             <a:pPr lvl="0"/>
             <a:r>
-              <a:rPr lang="zh-CN" altLang="en-US" smtClean="0"/>
+              <a:rPr lang="zh-CN" altLang="en-US"/>
               <a:t>单击此处编辑母版文本样式</a:t>
             </a:r>
           </a:p>
           <a:p>
             <a:pPr lvl="1"/>
             <a:r>
-              <a:rPr lang="zh-CN" altLang="en-US" smtClean="0"/>
+              <a:rPr lang="zh-CN" altLang="en-US"/>
               <a:t>第二级</a:t>
             </a:r>
           </a:p>
           <a:p>
             <a:pPr lvl="2"/>
             <a:r>
-              <a:rPr lang="zh-CN" altLang="en-US" smtClean="0"/>
+              <a:rPr lang="zh-CN" altLang="en-US"/>
               <a:t>第三级</a:t>
             </a:r>
           </a:p>
           <a:p>
             <a:pPr lvl="3"/>
             <a:r>
-              <a:rPr lang="zh-CN" altLang="en-US" smtClean="0"/>
+              <a:rPr lang="zh-CN" altLang="en-US"/>
               <a:t>第四级</a:t>
             </a:r>
           </a:p>
           <a:p>
             <a:pPr lvl="4"/>
             <a:r>
-              <a:rPr lang="zh-CN" altLang="en-US" smtClean="0"/>
+              <a:rPr lang="zh-CN" altLang="en-US"/>
               <a:t>第五级</a:t>
             </a:r>
-            <a:endParaRPr lang="zh-CN" altLang="en-US"/>
           </a:p>
         </p:txBody>
       </p:sp>
@@ -770,7 +763,7 @@
           <a:p>
             <a:fld id="{78DBD7FB-2DB8-4F9C-AE68-F00275D9D329}" type="datetimeFigureOut">
               <a:rPr lang="zh-CN" altLang="en-US" smtClean="0"/>
-              <a:t>2018/12/8</a:t>
+              <a:t>2019/1/8</a:t>
             </a:fld>
             <a:endParaRPr lang="zh-CN" altLang="en-US"/>
           </a:p>
@@ -873,10 +866,9 @@
           </a:lstStyle>
           <a:p>
             <a:r>
-              <a:rPr lang="zh-CN" altLang="en-US" smtClean="0"/>
+              <a:rPr lang="zh-CN" altLang="en-US"/>
               <a:t>单击此处编辑母版标题样式</a:t>
             </a:r>
-            <a:endParaRPr lang="zh-CN" altLang="en-US"/>
           </a:p>
         </p:txBody>
       </p:sp>
@@ -993,7 +985,7 @@
           <a:p>
             <a:pPr lvl="0"/>
             <a:r>
-              <a:rPr lang="zh-CN" altLang="en-US" smtClean="0"/>
+              <a:rPr lang="zh-CN" altLang="en-US"/>
               <a:t>单击此处编辑母版文本样式</a:t>
             </a:r>
           </a:p>
@@ -1016,7 +1008,7 @@
           <a:p>
             <a:fld id="{78DBD7FB-2DB8-4F9C-AE68-F00275D9D329}" type="datetimeFigureOut">
               <a:rPr lang="zh-CN" altLang="en-US" smtClean="0"/>
-              <a:t>2018/12/8</a:t>
+              <a:t>2019/1/8</a:t>
             </a:fld>
             <a:endParaRPr lang="zh-CN" altLang="en-US"/>
           </a:p>
@@ -1110,10 +1102,9 @@
           <a:lstStyle/>
           <a:p>
             <a:r>
-              <a:rPr lang="zh-CN" altLang="en-US" smtClean="0"/>
+              <a:rPr lang="zh-CN" altLang="en-US"/>
               <a:t>单击此处编辑母版标题样式</a:t>
             </a:r>
-            <a:endParaRPr lang="zh-CN" altLang="en-US"/>
           </a:p>
         </p:txBody>
       </p:sp>
@@ -1139,38 +1130,37 @@
           <a:p>
             <a:pPr lvl="0"/>
             <a:r>
-              <a:rPr lang="zh-CN" altLang="en-US" smtClean="0"/>
+              <a:rPr lang="zh-CN" altLang="en-US"/>
               <a:t>单击此处编辑母版文本样式</a:t>
             </a:r>
           </a:p>
           <a:p>
             <a:pPr lvl="1"/>
             <a:r>
-              <a:rPr lang="zh-CN" altLang="en-US" smtClean="0"/>
+              <a:rPr lang="zh-CN" altLang="en-US"/>
               <a:t>第二级</a:t>
             </a:r>
           </a:p>
           <a:p>
             <a:pPr lvl="2"/>
             <a:r>
-              <a:rPr lang="zh-CN" altLang="en-US" smtClean="0"/>
+              <a:rPr lang="zh-CN" altLang="en-US"/>
               <a:t>第三级</a:t>
             </a:r>
           </a:p>
           <a:p>
             <a:pPr lvl="3"/>
             <a:r>
-              <a:rPr lang="zh-CN" altLang="en-US" smtClean="0"/>
+              <a:rPr lang="zh-CN" altLang="en-US"/>
               <a:t>第四级</a:t>
             </a:r>
           </a:p>
           <a:p>
             <a:pPr lvl="4"/>
             <a:r>
-              <a:rPr lang="zh-CN" altLang="en-US" smtClean="0"/>
+              <a:rPr lang="zh-CN" altLang="en-US"/>
               <a:t>第五级</a:t>
             </a:r>
-            <a:endParaRPr lang="zh-CN" altLang="en-US"/>
           </a:p>
         </p:txBody>
       </p:sp>
@@ -1196,38 +1186,37 @@
           <a:p>
             <a:pPr lvl="0"/>
             <a:r>
-              <a:rPr lang="zh-CN" altLang="en-US" smtClean="0"/>
+              <a:rPr lang="zh-CN" altLang="en-US"/>
               <a:t>单击此处编辑母版文本样式</a:t>
             </a:r>
           </a:p>
           <a:p>
             <a:pPr lvl="1"/>
             <a:r>
-              <a:rPr lang="zh-CN" altLang="en-US" smtClean="0"/>
+              <a:rPr lang="zh-CN" altLang="en-US"/>
               <a:t>第二级</a:t>
             </a:r>
           </a:p>
           <a:p>
             <a:pPr lvl="2"/>
             <a:r>
-              <a:rPr lang="zh-CN" altLang="en-US" smtClean="0"/>
+              <a:rPr lang="zh-CN" altLang="en-US"/>
               <a:t>第三级</a:t>
             </a:r>
           </a:p>
           <a:p>
             <a:pPr lvl="3"/>
             <a:r>
-              <a:rPr lang="zh-CN" altLang="en-US" smtClean="0"/>
+              <a:rPr lang="zh-CN" altLang="en-US"/>
               <a:t>第四级</a:t>
             </a:r>
           </a:p>
           <a:p>
             <a:pPr lvl="4"/>
             <a:r>
-              <a:rPr lang="zh-CN" altLang="en-US" smtClean="0"/>
+              <a:rPr lang="zh-CN" altLang="en-US"/>
               <a:t>第五级</a:t>
             </a:r>
-            <a:endParaRPr lang="zh-CN" altLang="en-US"/>
           </a:p>
         </p:txBody>
       </p:sp>
@@ -1248,7 +1237,7 @@
           <a:p>
             <a:fld id="{78DBD7FB-2DB8-4F9C-AE68-F00275D9D329}" type="datetimeFigureOut">
               <a:rPr lang="zh-CN" altLang="en-US" smtClean="0"/>
-              <a:t>2018/12/8</a:t>
+              <a:t>2019/1/8</a:t>
             </a:fld>
             <a:endParaRPr lang="zh-CN" altLang="en-US"/>
           </a:p>
@@ -1347,10 +1336,9 @@
           <a:lstStyle/>
           <a:p>
             <a:r>
-              <a:rPr lang="zh-CN" altLang="en-US" smtClean="0"/>
+              <a:rPr lang="zh-CN" altLang="en-US"/>
               <a:t>单击此处编辑母版标题样式</a:t>
             </a:r>
-            <a:endParaRPr lang="zh-CN" altLang="en-US"/>
           </a:p>
         </p:txBody>
       </p:sp>
@@ -1413,7 +1401,7 @@
           <a:p>
             <a:pPr lvl="0"/>
             <a:r>
-              <a:rPr lang="zh-CN" altLang="en-US" smtClean="0"/>
+              <a:rPr lang="zh-CN" altLang="en-US"/>
               <a:t>单击此处编辑母版文本样式</a:t>
             </a:r>
           </a:p>
@@ -1441,38 +1429,37 @@
           <a:p>
             <a:pPr lvl="0"/>
             <a:r>
-              <a:rPr lang="zh-CN" altLang="en-US" smtClean="0"/>
+              <a:rPr lang="zh-CN" altLang="en-US"/>
               <a:t>单击此处编辑母版文本样式</a:t>
             </a:r>
           </a:p>
           <a:p>
             <a:pPr lvl="1"/>
             <a:r>
-              <a:rPr lang="zh-CN" altLang="en-US" smtClean="0"/>
+              <a:rPr lang="zh-CN" altLang="en-US"/>
               <a:t>第二级</a:t>
             </a:r>
           </a:p>
           <a:p>
             <a:pPr lvl="2"/>
             <a:r>
-              <a:rPr lang="zh-CN" altLang="en-US" smtClean="0"/>
+              <a:rPr lang="zh-CN" altLang="en-US"/>
               <a:t>第三级</a:t>
             </a:r>
           </a:p>
           <a:p>
             <a:pPr lvl="3"/>
             <a:r>
-              <a:rPr lang="zh-CN" altLang="en-US" smtClean="0"/>
+              <a:rPr lang="zh-CN" altLang="en-US"/>
               <a:t>第四级</a:t>
             </a:r>
           </a:p>
           <a:p>
             <a:pPr lvl="4"/>
             <a:r>
-              <a:rPr lang="zh-CN" altLang="en-US" smtClean="0"/>
+              <a:rPr lang="zh-CN" altLang="en-US"/>
               <a:t>第五级</a:t>
             </a:r>
-            <a:endParaRPr lang="zh-CN" altLang="en-US"/>
           </a:p>
         </p:txBody>
       </p:sp>
@@ -1535,7 +1522,7 @@
           <a:p>
             <a:pPr lvl="0"/>
             <a:r>
-              <a:rPr lang="zh-CN" altLang="en-US" smtClean="0"/>
+              <a:rPr lang="zh-CN" altLang="en-US"/>
               <a:t>单击此处编辑母版文本样式</a:t>
             </a:r>
           </a:p>
@@ -1563,38 +1550,37 @@
           <a:p>
             <a:pPr lvl="0"/>
             <a:r>
-              <a:rPr lang="zh-CN" altLang="en-US" smtClean="0"/>
+              <a:rPr lang="zh-CN" altLang="en-US"/>
               <a:t>单击此处编辑母版文本样式</a:t>
             </a:r>
           </a:p>
           <a:p>
             <a:pPr lvl="1"/>
             <a:r>
-              <a:rPr lang="zh-CN" altLang="en-US" smtClean="0"/>
+              <a:rPr lang="zh-CN" altLang="en-US"/>
               <a:t>第二级</a:t>
             </a:r>
           </a:p>
           <a:p>
             <a:pPr lvl="2"/>
             <a:r>
-              <a:rPr lang="zh-CN" altLang="en-US" smtClean="0"/>
+              <a:rPr lang="zh-CN" altLang="en-US"/>
               <a:t>第三级</a:t>
             </a:r>
           </a:p>
           <a:p>
             <a:pPr lvl="3"/>
             <a:r>
-              <a:rPr lang="zh-CN" altLang="en-US" smtClean="0"/>
+              <a:rPr lang="zh-CN" altLang="en-US"/>
               <a:t>第四级</a:t>
             </a:r>
           </a:p>
           <a:p>
             <a:pPr lvl="4"/>
             <a:r>
-              <a:rPr lang="zh-CN" altLang="en-US" smtClean="0"/>
+              <a:rPr lang="zh-CN" altLang="en-US"/>
               <a:t>第五级</a:t>
             </a:r>
-            <a:endParaRPr lang="zh-CN" altLang="en-US"/>
           </a:p>
         </p:txBody>
       </p:sp>
@@ -1615,7 +1601,7 @@
           <a:p>
             <a:fld id="{78DBD7FB-2DB8-4F9C-AE68-F00275D9D329}" type="datetimeFigureOut">
               <a:rPr lang="zh-CN" altLang="en-US" smtClean="0"/>
-              <a:t>2018/12/8</a:t>
+              <a:t>2019/1/8</a:t>
             </a:fld>
             <a:endParaRPr lang="zh-CN" altLang="en-US"/>
           </a:p>
@@ -1709,10 +1695,9 @@
           <a:lstStyle/>
           <a:p>
             <a:r>
-              <a:rPr lang="zh-CN" altLang="en-US" smtClean="0"/>
+              <a:rPr lang="zh-CN" altLang="en-US"/>
               <a:t>单击此处编辑母版标题样式</a:t>
             </a:r>
-            <a:endParaRPr lang="zh-CN" altLang="en-US"/>
           </a:p>
         </p:txBody>
       </p:sp>
@@ -1733,7 +1718,7 @@
           <a:p>
             <a:fld id="{78DBD7FB-2DB8-4F9C-AE68-F00275D9D329}" type="datetimeFigureOut">
               <a:rPr lang="zh-CN" altLang="en-US" smtClean="0"/>
-              <a:t>2018/12/8</a:t>
+              <a:t>2019/1/8</a:t>
             </a:fld>
             <a:endParaRPr lang="zh-CN" altLang="en-US"/>
           </a:p>
@@ -1828,7 +1813,7 @@
           <a:p>
             <a:fld id="{78DBD7FB-2DB8-4F9C-AE68-F00275D9D329}" type="datetimeFigureOut">
               <a:rPr lang="zh-CN" altLang="en-US" smtClean="0"/>
-              <a:t>2018/12/8</a:t>
+              <a:t>2019/1/8</a:t>
             </a:fld>
             <a:endParaRPr lang="zh-CN" altLang="en-US"/>
           </a:p>
@@ -1931,10 +1916,9 @@
           </a:lstStyle>
           <a:p>
             <a:r>
-              <a:rPr lang="zh-CN" altLang="en-US" smtClean="0"/>
+              <a:rPr lang="zh-CN" altLang="en-US"/>
               <a:t>单击此处编辑母版标题样式</a:t>
             </a:r>
-            <a:endParaRPr lang="zh-CN" altLang="en-US"/>
           </a:p>
         </p:txBody>
       </p:sp>
@@ -1988,38 +1972,37 @@
           <a:p>
             <a:pPr lvl="0"/>
             <a:r>
-              <a:rPr lang="zh-CN" altLang="en-US" smtClean="0"/>
+              <a:rPr lang="zh-CN" altLang="en-US"/>
               <a:t>单击此处编辑母版文本样式</a:t>
             </a:r>
           </a:p>
           <a:p>
             <a:pPr lvl="1"/>
             <a:r>
-              <a:rPr lang="zh-CN" altLang="en-US" smtClean="0"/>
+              <a:rPr lang="zh-CN" altLang="en-US"/>
               <a:t>第二级</a:t>
             </a:r>
           </a:p>
           <a:p>
             <a:pPr lvl="2"/>
             <a:r>
-              <a:rPr lang="zh-CN" altLang="en-US" smtClean="0"/>
+              <a:rPr lang="zh-CN" altLang="en-US"/>
               <a:t>第三级</a:t>
             </a:r>
           </a:p>
           <a:p>
             <a:pPr lvl="3"/>
             <a:r>
-              <a:rPr lang="zh-CN" altLang="en-US" smtClean="0"/>
+              <a:rPr lang="zh-CN" altLang="en-US"/>
               <a:t>第四级</a:t>
             </a:r>
           </a:p>
           <a:p>
             <a:pPr lvl="4"/>
             <a:r>
-              <a:rPr lang="zh-CN" altLang="en-US" smtClean="0"/>
+              <a:rPr lang="zh-CN" altLang="en-US"/>
               <a:t>第五级</a:t>
             </a:r>
-            <a:endParaRPr lang="zh-CN" altLang="en-US"/>
           </a:p>
         </p:txBody>
       </p:sp>
@@ -2082,7 +2065,7 @@
           <a:p>
             <a:pPr lvl="0"/>
             <a:r>
-              <a:rPr lang="zh-CN" altLang="en-US" smtClean="0"/>
+              <a:rPr lang="zh-CN" altLang="en-US"/>
               <a:t>单击此处编辑母版文本样式</a:t>
             </a:r>
           </a:p>
@@ -2105,7 +2088,7 @@
           <a:p>
             <a:fld id="{78DBD7FB-2DB8-4F9C-AE68-F00275D9D329}" type="datetimeFigureOut">
               <a:rPr lang="zh-CN" altLang="en-US" smtClean="0"/>
-              <a:t>2018/12/8</a:t>
+              <a:t>2019/1/8</a:t>
             </a:fld>
             <a:endParaRPr lang="zh-CN" altLang="en-US"/>
           </a:p>
@@ -2208,10 +2191,9 @@
           </a:lstStyle>
           <a:p>
             <a:r>
-              <a:rPr lang="zh-CN" altLang="en-US" smtClean="0"/>
+              <a:rPr lang="zh-CN" altLang="en-US"/>
               <a:t>单击此处编辑母版标题样式</a:t>
             </a:r>
-            <a:endParaRPr lang="zh-CN" altLang="en-US"/>
           </a:p>
         </p:txBody>
       </p:sp>
@@ -2335,7 +2317,7 @@
           <a:p>
             <a:pPr lvl="0"/>
             <a:r>
-              <a:rPr lang="zh-CN" altLang="en-US" smtClean="0"/>
+              <a:rPr lang="zh-CN" altLang="en-US"/>
               <a:t>单击此处编辑母版文本样式</a:t>
             </a:r>
           </a:p>
@@ -2358,7 +2340,7 @@
           <a:p>
             <a:fld id="{78DBD7FB-2DB8-4F9C-AE68-F00275D9D329}" type="datetimeFigureOut">
               <a:rPr lang="zh-CN" altLang="en-US" smtClean="0"/>
-              <a:t>2018/12/8</a:t>
+              <a:t>2019/1/8</a:t>
             </a:fld>
             <a:endParaRPr lang="zh-CN" altLang="en-US"/>
           </a:p>
@@ -2467,10 +2449,9 @@
           <a:lstStyle/>
           <a:p>
             <a:r>
-              <a:rPr lang="zh-CN" altLang="en-US" smtClean="0"/>
+              <a:rPr lang="zh-CN" altLang="en-US"/>
               <a:t>单击此处编辑母版标题样式</a:t>
             </a:r>
-            <a:endParaRPr lang="zh-CN" altLang="en-US"/>
           </a:p>
         </p:txBody>
       </p:sp>
@@ -2501,38 +2482,37 @@
           <a:p>
             <a:pPr lvl="0"/>
             <a:r>
-              <a:rPr lang="zh-CN" altLang="en-US" smtClean="0"/>
+              <a:rPr lang="zh-CN" altLang="en-US"/>
               <a:t>单击此处编辑母版文本样式</a:t>
             </a:r>
           </a:p>
           <a:p>
             <a:pPr lvl="1"/>
             <a:r>
-              <a:rPr lang="zh-CN" altLang="en-US" smtClean="0"/>
+              <a:rPr lang="zh-CN" altLang="en-US"/>
               <a:t>第二级</a:t>
             </a:r>
           </a:p>
           <a:p>
             <a:pPr lvl="2"/>
             <a:r>
-              <a:rPr lang="zh-CN" altLang="en-US" smtClean="0"/>
+              <a:rPr lang="zh-CN" altLang="en-US"/>
               <a:t>第三级</a:t>
             </a:r>
           </a:p>
           <a:p>
             <a:pPr lvl="3"/>
             <a:r>
-              <a:rPr lang="zh-CN" altLang="en-US" smtClean="0"/>
+              <a:rPr lang="zh-CN" altLang="en-US"/>
               <a:t>第四级</a:t>
             </a:r>
           </a:p>
           <a:p>
             <a:pPr lvl="4"/>
             <a:r>
-              <a:rPr lang="zh-CN" altLang="en-US" smtClean="0"/>
+              <a:rPr lang="zh-CN" altLang="en-US"/>
               <a:t>第五级</a:t>
             </a:r>
-            <a:endParaRPr lang="zh-CN" altLang="en-US"/>
           </a:p>
         </p:txBody>
       </p:sp>
@@ -2571,7 +2551,7 @@
           <a:p>
             <a:fld id="{78DBD7FB-2DB8-4F9C-AE68-F00275D9D329}" type="datetimeFigureOut">
               <a:rPr lang="zh-CN" altLang="en-US" smtClean="0"/>
-              <a:t>2018/12/8</a:t>
+              <a:t>2019/1/8</a:t>
             </a:fld>
             <a:endParaRPr lang="zh-CN" altLang="en-US"/>
           </a:p>
@@ -3058,7 +3038,7 @@
             <a:lstStyle/>
             <a:p>
               <a:r>
-                <a:rPr lang="en-US" altLang="zh-CN" sz="2000" b="1" smtClean="0"/>
+                <a:rPr lang="en-US" altLang="zh-CN" sz="2000" b="1"/>
                 <a:t>3D lung geometry</a:t>
               </a:r>
             </a:p>
@@ -3067,7 +3047,7 @@
                 <a:buAutoNum type="arabicPeriod"/>
               </a:pPr>
               <a:r>
-                <a:rPr lang="en-US" altLang="zh-CN" smtClean="0"/>
+                <a:rPr lang="en-US" altLang="zh-CN"/>
                 <a:t>Generate IPF lung lobe mesh</a:t>
               </a:r>
             </a:p>
@@ -3076,7 +3056,7 @@
                 <a:buAutoNum type="arabicPeriod"/>
               </a:pPr>
               <a:r>
-                <a:rPr lang="en-US" altLang="zh-CN" smtClean="0"/>
+                <a:rPr lang="en-US" altLang="zh-CN"/>
                 <a:t>Predict lung lobe shape of old normal </a:t>
               </a:r>
               <a:endParaRPr lang="zh-CN" altLang="en-US"/>
@@ -3151,7 +3131,7 @@
             <a:lstStyle/>
             <a:p>
               <a:r>
-                <a:rPr lang="en-US" altLang="zh-CN" sz="2000" b="1" smtClean="0"/>
+                <a:rPr lang="en-US" altLang="zh-CN" sz="2000" b="1"/>
                 <a:t>Airway/vasculature geometry</a:t>
               </a:r>
             </a:p>
@@ -3160,7 +3140,7 @@
                 <a:buAutoNum type="arabicPeriod"/>
               </a:pPr>
               <a:r>
-                <a:rPr lang="en-US" altLang="zh-CN" smtClean="0"/>
+                <a:rPr lang="en-US" altLang="zh-CN"/>
                 <a:t>Extract upper airway/vessel tree from HRCT images</a:t>
               </a:r>
             </a:p>
@@ -3169,7 +3149,7 @@
                 <a:buAutoNum type="arabicPeriod"/>
               </a:pPr>
               <a:r>
-                <a:rPr lang="en-US" altLang="zh-CN" smtClean="0"/>
+                <a:rPr lang="en-US" altLang="zh-CN"/>
                 <a:t>Map IPF upper airway to old normal lung mesh</a:t>
               </a:r>
             </a:p>
@@ -3178,7 +3158,7 @@
                 <a:buAutoNum type="arabicPeriod"/>
               </a:pPr>
               <a:r>
-                <a:rPr lang="en-US" altLang="zh-CN" smtClean="0"/>
+                <a:rPr lang="en-US" altLang="zh-CN"/>
                 <a:t>Generate full airway for old normal and map to IPF lung mesh</a:t>
               </a:r>
             </a:p>
@@ -3187,7 +3167,7 @@
                 <a:buAutoNum type="arabicPeriod"/>
               </a:pPr>
               <a:r>
-                <a:rPr lang="en-US" altLang="zh-CN" smtClean="0"/>
+                <a:rPr lang="en-US" altLang="zh-CN"/>
                 <a:t>Generate full vessel tree</a:t>
               </a:r>
             </a:p>
@@ -3195,7 +3175,7 @@
               <a:pPr marL="342900" indent="-342900">
                 <a:buAutoNum type="arabicPeriod"/>
               </a:pPr>
-              <a:endParaRPr lang="en-US" altLang="zh-CN" smtClean="0"/>
+              <a:endParaRPr lang="en-US" altLang="zh-CN"/>
             </a:p>
           </p:txBody>
         </p:sp>
@@ -3267,7 +3247,7 @@
             <a:lstStyle/>
             <a:p>
               <a:r>
-                <a:rPr lang="en-US" altLang="zh-CN" sz="2000" b="1" smtClean="0"/>
+                <a:rPr lang="en-US" altLang="zh-CN" sz="2000" b="1"/>
                 <a:t>Ventilation model</a:t>
               </a:r>
             </a:p>
@@ -3276,7 +3256,7 @@
                 <a:buAutoNum type="arabicPeriod"/>
               </a:pPr>
               <a:r>
-                <a:rPr lang="en-US" altLang="zh-CN" smtClean="0"/>
+                <a:rPr lang="en-US" altLang="zh-CN"/>
                 <a:t>Deep inspiration (fibrosis constricted)—set muscle pressure, average lung compliance</a:t>
               </a:r>
             </a:p>
@@ -3285,7 +3265,7 @@
                 <a:buAutoNum type="arabicPeriod"/>
               </a:pPr>
               <a:r>
-                <a:rPr lang="en-US" altLang="zh-CN" smtClean="0"/>
+                <a:rPr lang="en-US" altLang="zh-CN"/>
                 <a:t>Normal breath—ventilation distribution</a:t>
               </a:r>
               <a:endParaRPr lang="zh-CN" altLang="en-US"/>
@@ -3360,7 +3340,7 @@
             <a:lstStyle/>
             <a:p>
               <a:r>
-                <a:rPr lang="en-US" altLang="zh-CN" sz="2000" b="1" smtClean="0"/>
+                <a:rPr lang="en-US" altLang="zh-CN" sz="2000" b="1"/>
                 <a:t>Ventilation model</a:t>
               </a:r>
             </a:p>
@@ -3369,7 +3349,7 @@
                 <a:buAutoNum type="arabicPeriod"/>
               </a:pPr>
               <a:r>
-                <a:rPr lang="en-US" altLang="zh-CN" smtClean="0"/>
+                <a:rPr lang="en-US" altLang="zh-CN"/>
                 <a:t>Deep inspiration (fibrosis constricted)—set muscle pressure, average lung compliance</a:t>
               </a:r>
             </a:p>
@@ -3378,7 +3358,7 @@
                 <a:buAutoNum type="arabicPeriod"/>
               </a:pPr>
               <a:r>
-                <a:rPr lang="en-US" altLang="zh-CN" smtClean="0"/>
+                <a:rPr lang="en-US" altLang="zh-CN"/>
                 <a:t>Normal breath—ventilation distribution</a:t>
               </a:r>
               <a:endParaRPr lang="zh-CN" altLang="en-US"/>
@@ -3547,7 +3527,7 @@
             <a:lstStyle/>
             <a:p>
               <a:r>
-                <a:rPr lang="en-US" altLang="zh-CN" sz="2000" smtClean="0">
+                <a:rPr lang="en-US" altLang="zh-CN" sz="2000">
                   <a:latin typeface="Times New Roman" panose="02020603050405020304" pitchFamily="18" charset="0"/>
                   <a:cs typeface="Times New Roman" panose="02020603050405020304" pitchFamily="18" charset="0"/>
                 </a:rPr>
@@ -3675,7 +3655,7 @@
             <a:lstStyle/>
             <a:p>
               <a:r>
-                <a:rPr lang="en-US" altLang="zh-CN" sz="2000" smtClean="0">
+                <a:rPr lang="en-US" altLang="zh-CN" sz="2000">
                   <a:latin typeface="Times New Roman" panose="02020603050405020304" pitchFamily="18" charset="0"/>
                   <a:cs typeface="Times New Roman" panose="02020603050405020304" pitchFamily="18" charset="0"/>
                 </a:rPr>
@@ -3711,7 +3691,7 @@
             <a:lstStyle/>
             <a:p>
               <a:r>
-                <a:rPr lang="en-US" altLang="zh-CN" sz="2000" smtClean="0">
+                <a:rPr lang="en-US" altLang="zh-CN" sz="2000">
                   <a:latin typeface="Times New Roman" panose="02020603050405020304" pitchFamily="18" charset="0"/>
                   <a:cs typeface="Times New Roman" panose="02020603050405020304" pitchFamily="18" charset="0"/>
                 </a:rPr>
@@ -3793,7 +3773,7 @@
             <a:lstStyle/>
             <a:p>
               <a:r>
-                <a:rPr lang="en-US" altLang="zh-CN" sz="2000" smtClean="0">
+                <a:rPr lang="en-US" altLang="zh-CN" sz="2000">
                   <a:latin typeface="Times New Roman" panose="02020603050405020304" pitchFamily="18" charset="0"/>
                   <a:cs typeface="Times New Roman" panose="02020603050405020304" pitchFamily="18" charset="0"/>
                 </a:rPr>
@@ -3921,7 +3901,7 @@
             <a:lstStyle/>
             <a:p>
               <a:r>
-                <a:rPr lang="en-US" altLang="zh-CN" sz="2000" smtClean="0">
+                <a:rPr lang="en-US" altLang="zh-CN" sz="2000">
                   <a:latin typeface="Times New Roman" panose="02020603050405020304" pitchFamily="18" charset="0"/>
                   <a:cs typeface="Times New Roman" panose="02020603050405020304" pitchFamily="18" charset="0"/>
                 </a:rPr>
@@ -3957,7 +3937,7 @@
             <a:lstStyle/>
             <a:p>
               <a:r>
-                <a:rPr lang="en-US" altLang="zh-CN" sz="2000" smtClean="0">
+                <a:rPr lang="en-US" altLang="zh-CN" sz="2000">
                   <a:latin typeface="Times New Roman" panose="02020603050405020304" pitchFamily="18" charset="0"/>
                   <a:cs typeface="Times New Roman" panose="02020603050405020304" pitchFamily="18" charset="0"/>
                 </a:rPr>
@@ -4389,7 +4369,7 @@
             <a:lstStyle/>
             <a:p>
               <a:r>
-                <a:rPr lang="en-US" altLang="zh-CN" sz="1200" b="1" smtClean="0">
+                <a:rPr lang="en-US" altLang="zh-CN" sz="1200" b="1">
                   <a:latin typeface="Times New Roman" panose="02020603050405020304" pitchFamily="18" charset="0"/>
                   <a:cs typeface="Times New Roman" panose="02020603050405020304" pitchFamily="18" charset="0"/>
                 </a:rPr>
@@ -4425,14 +4405,7 @@
                   <a:latin typeface="Times New Roman" panose="02020603050405020304" pitchFamily="18" charset="0"/>
                   <a:cs typeface="Times New Roman" panose="02020603050405020304" pitchFamily="18" charset="0"/>
                 </a:rPr>
-                <a:t>6</a:t>
-              </a:r>
-              <a:r>
-                <a:rPr lang="en-US" altLang="zh-CN" sz="1200" b="1" smtClean="0">
-                  <a:latin typeface="Times New Roman" panose="02020603050405020304" pitchFamily="18" charset="0"/>
-                  <a:cs typeface="Times New Roman" panose="02020603050405020304" pitchFamily="18" charset="0"/>
-                </a:rPr>
-                <a:t>.1 </a:t>
+                <a:t>6.1 </a:t>
               </a:r>
               <a:endParaRPr lang="zh-CN" altLang="en-US" sz="1200" b="1"/>
             </a:p>
@@ -4460,7 +4433,7 @@
             <a:lstStyle/>
             <a:p>
               <a:r>
-                <a:rPr lang="en-US" altLang="zh-CN" sz="1200" b="1" smtClean="0">
+                <a:rPr lang="en-US" altLang="zh-CN" sz="1200" b="1">
                   <a:latin typeface="Times New Roman" panose="02020603050405020304" pitchFamily="18" charset="0"/>
                   <a:cs typeface="Times New Roman" panose="02020603050405020304" pitchFamily="18" charset="0"/>
                 </a:rPr>
@@ -4492,7 +4465,7 @@
             <a:lstStyle/>
             <a:p>
               <a:r>
-                <a:rPr lang="en-US" altLang="zh-CN" sz="1200" b="1" smtClean="0">
+                <a:rPr lang="en-US" altLang="zh-CN" sz="1200" b="1">
                   <a:latin typeface="Times New Roman" panose="02020603050405020304" pitchFamily="18" charset="0"/>
                   <a:cs typeface="Times New Roman" panose="02020603050405020304" pitchFamily="18" charset="0"/>
                 </a:rPr>
@@ -4789,7 +4762,7 @@
               <a:lstStyle/>
               <a:p>
                 <a:r>
-                  <a:rPr lang="en-US" altLang="zh-CN" sz="1200" b="1" smtClean="0">
+                  <a:rPr lang="en-US" altLang="zh-CN" sz="1200" b="1">
                     <a:latin typeface="Times New Roman" panose="02020603050405020304" pitchFamily="18" charset="0"/>
                     <a:cs typeface="Times New Roman" panose="02020603050405020304" pitchFamily="18" charset="0"/>
                   </a:rPr>
@@ -4821,7 +4794,7 @@
               <a:lstStyle/>
               <a:p>
                 <a:r>
-                  <a:rPr lang="en-US" altLang="zh-CN" sz="1200" b="1" smtClean="0">
+                  <a:rPr lang="en-US" altLang="zh-CN" sz="1200" b="1">
                     <a:latin typeface="Times New Roman" panose="02020603050405020304" pitchFamily="18" charset="0"/>
                     <a:cs typeface="Times New Roman" panose="02020603050405020304" pitchFamily="18" charset="0"/>
                   </a:rPr>
@@ -4853,7 +4826,7 @@
               <a:lstStyle/>
               <a:p>
                 <a:r>
-                  <a:rPr lang="en-US" altLang="zh-CN" sz="1200" b="1" smtClean="0">
+                  <a:rPr lang="en-US" altLang="zh-CN" sz="1200" b="1">
                     <a:latin typeface="Times New Roman" panose="02020603050405020304" pitchFamily="18" charset="0"/>
                     <a:cs typeface="Times New Roman" panose="02020603050405020304" pitchFamily="18" charset="0"/>
                   </a:rPr>
@@ -4885,7 +4858,7 @@
               <a:lstStyle/>
               <a:p>
                 <a:r>
-                  <a:rPr lang="en-US" altLang="zh-CN" sz="1200" b="1" smtClean="0">
+                  <a:rPr lang="en-US" altLang="zh-CN" sz="1200" b="1">
                     <a:latin typeface="Times New Roman" panose="02020603050405020304" pitchFamily="18" charset="0"/>
                     <a:cs typeface="Times New Roman" panose="02020603050405020304" pitchFamily="18" charset="0"/>
                   </a:rPr>
@@ -4975,7 +4948,7 @@
             <p:cNvPr id="5" name="图片 5">
               <a:extLst>
                 <a:ext uri="{FF2B5EF4-FFF2-40B4-BE49-F238E27FC236}">
-                  <a16:creationId xmlns="" xmlns:a16="http://schemas.microsoft.com/office/drawing/2014/main" id="{7805776B-6652-AB49-8D91-C750049FD464}"/>
+                  <a16:creationId xmlns:a16="http://schemas.microsoft.com/office/drawing/2014/main" id="{7805776B-6652-AB49-8D91-C750049FD464}"/>
                 </a:ext>
               </a:extLst>
             </p:cNvPr>
@@ -5035,7 +5008,7 @@
             <p:cNvPr id="6" name="文本框 8">
               <a:extLst>
                 <a:ext uri="{FF2B5EF4-FFF2-40B4-BE49-F238E27FC236}">
-                  <a16:creationId xmlns="" xmlns:a16="http://schemas.microsoft.com/office/drawing/2014/main" id="{501D1996-97B6-494F-8B8B-B36B8980C66E}"/>
+                  <a16:creationId xmlns:a16="http://schemas.microsoft.com/office/drawing/2014/main" id="{501D1996-97B6-494F-8B8B-B36B8980C66E}"/>
                 </a:ext>
               </a:extLst>
             </p:cNvPr>
@@ -5189,7 +5162,7 @@
             </a:lstStyle>
             <a:p>
               <a:r>
-                <a:rPr lang="en-US" altLang="zh-CN" sz="1200" smtClean="0"/>
+                <a:rPr lang="en-US" altLang="zh-CN" sz="1200"/>
                 <a:t>Simulated inspiration curve</a:t>
               </a:r>
               <a:endParaRPr lang="zh-CN" altLang="en-US" sz="1200" dirty="0"/>
@@ -5201,7 +5174,7 @@
             <p:cNvPr id="7" name="直接箭头连接符 6">
               <a:extLst>
                 <a:ext uri="{FF2B5EF4-FFF2-40B4-BE49-F238E27FC236}">
-                  <a16:creationId xmlns="" xmlns:a16="http://schemas.microsoft.com/office/drawing/2014/main" id="{73C4B35A-47B1-7D46-A1DF-D7F75A9645E1}"/>
+                  <a16:creationId xmlns:a16="http://schemas.microsoft.com/office/drawing/2014/main" id="{73C4B35A-47B1-7D46-A1DF-D7F75A9645E1}"/>
                 </a:ext>
               </a:extLst>
             </p:cNvPr>
@@ -5240,7 +5213,7 @@
             <p:cNvPr id="8" name="文本框 14">
               <a:extLst>
                 <a:ext uri="{FF2B5EF4-FFF2-40B4-BE49-F238E27FC236}">
-                  <a16:creationId xmlns="" xmlns:a16="http://schemas.microsoft.com/office/drawing/2014/main" id="{E6FA8A19-549E-1149-8969-F8ECDFAA6DE0}"/>
+                  <a16:creationId xmlns:a16="http://schemas.microsoft.com/office/drawing/2014/main" id="{E6FA8A19-549E-1149-8969-F8ECDFAA6DE0}"/>
                 </a:ext>
               </a:extLst>
             </p:cNvPr>
@@ -5394,7 +5367,7 @@
             </a:lstStyle>
             <a:p>
               <a:r>
-                <a:rPr lang="en-US" altLang="zh-CN" sz="1200" smtClean="0"/>
+                <a:rPr lang="en-US" altLang="zh-CN" sz="1200"/>
                 <a:t>Measured </a:t>
               </a:r>
               <a:r>
@@ -5410,7 +5383,7 @@
             <p:cNvPr id="9" name="直接箭头连接符 8">
               <a:extLst>
                 <a:ext uri="{FF2B5EF4-FFF2-40B4-BE49-F238E27FC236}">
-                  <a16:creationId xmlns="" xmlns:a16="http://schemas.microsoft.com/office/drawing/2014/main" id="{3DD9042B-EA28-D74C-89B3-DB43D31F11BC}"/>
+                  <a16:creationId xmlns:a16="http://schemas.microsoft.com/office/drawing/2014/main" id="{3DD9042B-EA28-D74C-89B3-DB43D31F11BC}"/>
                 </a:ext>
               </a:extLst>
             </p:cNvPr>
@@ -5721,7 +5694,7 @@
                 <a:lstStyle/>
                 <a:p>
                   <a:r>
-                    <a:rPr lang="en-US" altLang="zh-CN" sz="1400" smtClean="0">
+                    <a:rPr lang="en-US" altLang="zh-CN" sz="1400">
                       <a:solidFill>
                         <a:srgbClr val="010101"/>
                       </a:solidFill>
@@ -6921,6 +6894,180 @@
 </p:sld>
 </file>
 
+<file path=ppt/slides/slide9.xml><?xml version="1.0" encoding="utf-8"?>
+<p:sld xmlns:a="http://schemas.openxmlformats.org/drawingml/2006/main" xmlns:r="http://schemas.openxmlformats.org/officeDocument/2006/relationships" xmlns:p="http://schemas.openxmlformats.org/presentationml/2006/main">
+  <p:cSld>
+    <p:spTree>
+      <p:nvGrpSpPr>
+        <p:cNvPr id="1" name=""/>
+        <p:cNvGrpSpPr/>
+        <p:nvPr/>
+      </p:nvGrpSpPr>
+      <p:grpSpPr>
+        <a:xfrm>
+          <a:off x="0" y="0"/>
+          <a:ext cx="0" cy="0"/>
+          <a:chOff x="0" y="0"/>
+          <a:chExt cx="0" cy="0"/>
+        </a:xfrm>
+      </p:grpSpPr>
+      <p:pic>
+        <p:nvPicPr>
+          <p:cNvPr id="5" name="图片 4">
+            <a:extLst>
+              <a:ext uri="{FF2B5EF4-FFF2-40B4-BE49-F238E27FC236}">
+                <a16:creationId xmlns:a16="http://schemas.microsoft.com/office/drawing/2014/main" id="{5B1726BC-C975-491D-81CF-A31A72B87D1E}"/>
+              </a:ext>
+            </a:extLst>
+          </p:cNvPr>
+          <p:cNvPicPr>
+            <a:picLocks noChangeAspect="1"/>
+          </p:cNvPicPr>
+          <p:nvPr/>
+        </p:nvPicPr>
+        <p:blipFill>
+          <a:blip r:embed="rId2">
+            <a:extLst>
+              <a:ext uri="{28A0092B-C50C-407E-A947-70E740481C1C}">
+                <a14:useLocalDpi xmlns:a14="http://schemas.microsoft.com/office/drawing/2010/main" val="0"/>
+              </a:ext>
+            </a:extLst>
+          </a:blip>
+          <a:stretch>
+            <a:fillRect/>
+          </a:stretch>
+        </p:blipFill>
+        <p:spPr>
+          <a:xfrm>
+            <a:off x="765843" y="0"/>
+            <a:ext cx="4834547" cy="4846740"/>
+          </a:xfrm>
+          <a:prstGeom prst="rect">
+            <a:avLst/>
+          </a:prstGeom>
+        </p:spPr>
+      </p:pic>
+      <p:sp>
+        <p:nvSpPr>
+          <p:cNvPr id="6" name="文本框 5">
+            <a:extLst>
+              <a:ext uri="{FF2B5EF4-FFF2-40B4-BE49-F238E27FC236}">
+                <a16:creationId xmlns:a16="http://schemas.microsoft.com/office/drawing/2014/main" id="{C95BA9EF-EC6E-4FAC-97CB-1DA89AE468CD}"/>
+              </a:ext>
+            </a:extLst>
+          </p:cNvPr>
+          <p:cNvSpPr txBox="1"/>
+          <p:nvPr/>
+        </p:nvSpPr>
+        <p:spPr>
+          <a:xfrm>
+            <a:off x="4361468" y="4439701"/>
+            <a:ext cx="1182361" cy="307777"/>
+          </a:xfrm>
+          <a:prstGeom prst="rect">
+            <a:avLst/>
+          </a:prstGeom>
+          <a:noFill/>
+        </p:spPr>
+        <p:txBody>
+          <a:bodyPr wrap="square" rtlCol="0">
+            <a:spAutoFit/>
+          </a:bodyPr>
+          <a:lstStyle/>
+          <a:p>
+            <a:r>
+              <a:rPr lang="en-US" altLang="zh-CN" sz="1400" b="1" dirty="0"/>
+              <a:t>Radii (mm)</a:t>
+            </a:r>
+            <a:endParaRPr lang="zh-CN" altLang="en-US" sz="1400" b="1" dirty="0"/>
+          </a:p>
+        </p:txBody>
+      </p:sp>
+      <p:pic>
+        <p:nvPicPr>
+          <p:cNvPr id="8" name="图片 7">
+            <a:extLst>
+              <a:ext uri="{FF2B5EF4-FFF2-40B4-BE49-F238E27FC236}">
+                <a16:creationId xmlns:a16="http://schemas.microsoft.com/office/drawing/2014/main" id="{D9448543-D631-446E-91D2-9EC90E9A8B20}"/>
+              </a:ext>
+            </a:extLst>
+          </p:cNvPr>
+          <p:cNvPicPr>
+            <a:picLocks noChangeAspect="1"/>
+          </p:cNvPicPr>
+          <p:nvPr/>
+        </p:nvPicPr>
+        <p:blipFill>
+          <a:blip r:embed="rId3">
+            <a:extLst>
+              <a:ext uri="{28A0092B-C50C-407E-A947-70E740481C1C}">
+                <a14:useLocalDpi xmlns:a14="http://schemas.microsoft.com/office/drawing/2010/main" val="0"/>
+              </a:ext>
+            </a:extLst>
+          </a:blip>
+          <a:stretch>
+            <a:fillRect/>
+          </a:stretch>
+        </p:blipFill>
+        <p:spPr>
+          <a:xfrm>
+            <a:off x="6919478" y="638418"/>
+            <a:ext cx="3273836" cy="4109060"/>
+          </a:xfrm>
+          <a:prstGeom prst="rect">
+            <a:avLst/>
+          </a:prstGeom>
+        </p:spPr>
+      </p:pic>
+      <p:sp>
+        <p:nvSpPr>
+          <p:cNvPr id="9" name="文本框 8">
+            <a:extLst>
+              <a:ext uri="{FF2B5EF4-FFF2-40B4-BE49-F238E27FC236}">
+                <a16:creationId xmlns:a16="http://schemas.microsoft.com/office/drawing/2014/main" id="{C2780F90-5581-4341-8129-F086A7C0A2E0}"/>
+              </a:ext>
+            </a:extLst>
+          </p:cNvPr>
+          <p:cNvSpPr txBox="1"/>
+          <p:nvPr/>
+        </p:nvSpPr>
+        <p:spPr>
+          <a:xfrm>
+            <a:off x="9821159" y="4403565"/>
+            <a:ext cx="1182361" cy="307777"/>
+          </a:xfrm>
+          <a:prstGeom prst="rect">
+            <a:avLst/>
+          </a:prstGeom>
+          <a:noFill/>
+        </p:spPr>
+        <p:txBody>
+          <a:bodyPr wrap="square" rtlCol="0">
+            <a:spAutoFit/>
+          </a:bodyPr>
+          <a:lstStyle/>
+          <a:p>
+            <a:r>
+              <a:rPr lang="en-US" altLang="zh-CN" sz="1400" b="1" dirty="0"/>
+              <a:t>Radii (mm)</a:t>
+            </a:r>
+            <a:endParaRPr lang="zh-CN" altLang="en-US" sz="1400" b="1" dirty="0"/>
+          </a:p>
+        </p:txBody>
+      </p:sp>
+    </p:spTree>
+    <p:extLst>
+      <p:ext uri="{BB962C8B-B14F-4D97-AF65-F5344CB8AC3E}">
+        <p14:creationId xmlns:p14="http://schemas.microsoft.com/office/powerpoint/2010/main" val="3108282806"/>
+      </p:ext>
+    </p:extLst>
+  </p:cSld>
+  <p:clrMapOvr>
+    <a:masterClrMapping/>
+  </p:clrMapOvr>
+</p:sld>
+</file>
+
 <file path=ppt/theme/theme1.xml><?xml version="1.0" encoding="utf-8"?>
 <a:theme xmlns:a="http://schemas.openxmlformats.org/drawingml/2006/main" name="Office 主题">
   <a:themeElements>
